--- a/Präsentation_31.01..pptx
+++ b/Präsentation_31.01..pptx
@@ -1119,28 +1119,6 @@
           <a:bodyPr/>
           <a:lstStyle/>
           <a:p>
-            <a:r>
-              <a:rPr lang="de-DE" dirty="0"/>
-              <a:t>SW ergibt sich aus Confidence </a:t>
-            </a:r>
-            <a:r>
-              <a:rPr lang="de-DE" dirty="0">
-                <a:sym typeface="Wingdings" panose="05000000000000000000" pitchFamily="2" charset="2"/>
-              </a:rPr>
-              <a:t> je </a:t>
-            </a:r>
-            <a:r>
-              <a:rPr lang="de-DE" dirty="0" err="1">
-                <a:sym typeface="Wingdings" panose="05000000000000000000" pitchFamily="2" charset="2"/>
-              </a:rPr>
-              <a:t>confidenter</a:t>
-            </a:r>
-            <a:r>
-              <a:rPr lang="de-DE" dirty="0">
-                <a:sym typeface="Wingdings" panose="05000000000000000000" pitchFamily="2" charset="2"/>
-              </a:rPr>
-              <a:t> in FE, umso weniger SW</a:t>
-            </a:r>
             <a:endParaRPr lang="de-DE" dirty="0"/>
           </a:p>
         </p:txBody>
@@ -1249,28 +1227,6 @@
           <a:bodyPr/>
           <a:lstStyle/>
           <a:p>
-            <a:r>
-              <a:rPr lang="de-DE" dirty="0"/>
-              <a:t>SW ergibt sich aus Confidence </a:t>
-            </a:r>
-            <a:r>
-              <a:rPr lang="de-DE" dirty="0">
-                <a:sym typeface="Wingdings" panose="05000000000000000000" pitchFamily="2" charset="2"/>
-              </a:rPr>
-              <a:t> je </a:t>
-            </a:r>
-            <a:r>
-              <a:rPr lang="de-DE" dirty="0" err="1">
-                <a:sym typeface="Wingdings" panose="05000000000000000000" pitchFamily="2" charset="2"/>
-              </a:rPr>
-              <a:t>confidenter</a:t>
-            </a:r>
-            <a:r>
-              <a:rPr lang="de-DE" dirty="0">
-                <a:sym typeface="Wingdings" panose="05000000000000000000" pitchFamily="2" charset="2"/>
-              </a:rPr>
-              <a:t> in FE, umso weniger SW</a:t>
-            </a:r>
             <a:endParaRPr lang="de-DE" dirty="0"/>
           </a:p>
         </p:txBody>
@@ -1379,28 +1335,6 @@
           <a:bodyPr/>
           <a:lstStyle/>
           <a:p>
-            <a:r>
-              <a:rPr lang="de-DE" dirty="0"/>
-              <a:t>SW ergibt sich aus Confidence </a:t>
-            </a:r>
-            <a:r>
-              <a:rPr lang="de-DE" dirty="0">
-                <a:sym typeface="Wingdings" panose="05000000000000000000" pitchFamily="2" charset="2"/>
-              </a:rPr>
-              <a:t> je </a:t>
-            </a:r>
-            <a:r>
-              <a:rPr lang="de-DE" dirty="0" err="1">
-                <a:sym typeface="Wingdings" panose="05000000000000000000" pitchFamily="2" charset="2"/>
-              </a:rPr>
-              <a:t>confidenter</a:t>
-            </a:r>
-            <a:r>
-              <a:rPr lang="de-DE" dirty="0">
-                <a:sym typeface="Wingdings" panose="05000000000000000000" pitchFamily="2" charset="2"/>
-              </a:rPr>
-              <a:t> in FE, umso weniger SW</a:t>
-            </a:r>
             <a:endParaRPr lang="de-DE" dirty="0"/>
           </a:p>
         </p:txBody>
